--- a/Report/Temperature Prediction Using Time-Series and Machine Learning Models.pptx
+++ b/Report/Temperature Prediction Using Time-Series and Machine Learning Models.pptx
@@ -170,7 +170,7 @@
         <p:txBody>
           <a:bodyPr/>
           <a:p>
-            <a:fld id="{CA5B8655-2220-4C6C-819D-799A4CCFF5A4}" type="slidenum">
+            <a:fld id="{6CC3CF0B-4D84-43B9-974F-30381364A03B}" type="slidenum">
               <a:t>&lt;#&gt;</a:t>
             </a:fld>
           </a:p>
@@ -253,7 +253,7 @@
         <p:txBody>
           <a:bodyPr/>
           <a:p>
-            <a:fld id="{5409D3FF-6227-45EC-A7A3-5F3C0C5204D6}" type="slidenum">
+            <a:fld id="{E91EAE78-332F-405B-8C03-5CE3AE3573BE}" type="slidenum">
               <a:t>&lt;#&gt;</a:t>
             </a:fld>
           </a:p>
@@ -336,7 +336,7 @@
         <p:txBody>
           <a:bodyPr/>
           <a:p>
-            <a:fld id="{555E3B1B-129B-4A45-B238-3867637B4235}" type="slidenum">
+            <a:fld id="{A8874E7A-BB51-49E8-9629-BD5097F99993}" type="slidenum">
               <a:t>&lt;#&gt;</a:t>
             </a:fld>
           </a:p>
@@ -419,7 +419,7 @@
         <p:txBody>
           <a:bodyPr/>
           <a:p>
-            <a:fld id="{925AFB3E-E819-42ED-A75A-9C6B84E2EAED}" type="slidenum">
+            <a:fld id="{F3CF0AD8-B4F5-48D2-B47C-231F974A41B0}" type="slidenum">
               <a:t>&lt;#&gt;</a:t>
             </a:fld>
           </a:p>
@@ -502,7 +502,7 @@
         <p:txBody>
           <a:bodyPr/>
           <a:p>
-            <a:fld id="{667FAD46-88FD-45B2-BED8-7CC14DB713B9}" type="slidenum">
+            <a:fld id="{B5A44563-E4A0-43C4-AC87-E83FBE912B34}" type="slidenum">
               <a:t>&lt;#&gt;</a:t>
             </a:fld>
           </a:p>
@@ -668,7 +668,7 @@
         <p:txBody>
           <a:bodyPr/>
           <a:p>
-            <a:fld id="{52B11F88-F42E-4C51-8E67-0609DBF22285}" type="slidenum">
+            <a:fld id="{1B95E690-01A0-46B5-87B0-CB4330104A0A}" type="slidenum">
               <a:t>&lt;#&gt;</a:t>
             </a:fld>
           </a:p>
@@ -751,7 +751,7 @@
         <p:txBody>
           <a:bodyPr/>
           <a:p>
-            <a:fld id="{5F83A9A2-F5A4-4399-A59E-4873DCF9CD13}" type="slidenum">
+            <a:fld id="{0020B1A8-5536-4CA8-B94E-33498E25E1AC}" type="slidenum">
               <a:t>&lt;#&gt;</a:t>
             </a:fld>
           </a:p>
@@ -960,7 +960,7 @@
         <p:txBody>
           <a:bodyPr/>
           <a:p>
-            <a:fld id="{BC531400-5A40-4E0C-B6DE-C312C2D1EB1D}" type="slidenum">
+            <a:fld id="{E0E9C9F7-5B23-43F3-8AD2-11D923C40616}" type="slidenum">
               <a:t>&lt;#&gt;</a:t>
             </a:fld>
           </a:p>
@@ -1043,7 +1043,7 @@
         <p:txBody>
           <a:bodyPr/>
           <a:p>
-            <a:fld id="{6C5D966B-9861-47AD-A981-01624E431F33}" type="slidenum">
+            <a:fld id="{D4F6A678-552D-4C1A-B9F1-8AA8B37CE596}" type="slidenum">
               <a:t>&lt;#&gt;</a:t>
             </a:fld>
           </a:p>
@@ -1166,7 +1166,7 @@
         <p:txBody>
           <a:bodyPr/>
           <a:p>
-            <a:fld id="{B6A81A2F-3DB4-42FE-A522-91AC4BF04E39}" type="slidenum">
+            <a:fld id="{E9C9541E-37F5-4DAA-A616-1F7975670D00}" type="slidenum">
               <a:t>&lt;#&gt;</a:t>
             </a:fld>
           </a:p>
@@ -1249,7 +1249,7 @@
         <p:txBody>
           <a:bodyPr/>
           <a:p>
-            <a:fld id="{6EF46520-C93A-4BBF-AA8D-6BD57AA2DC33}" type="slidenum">
+            <a:fld id="{14FEFB84-AC7C-4B43-AF46-CA388E695667}" type="slidenum">
               <a:t>&lt;#&gt;</a:t>
             </a:fld>
           </a:p>
@@ -1367,7 +1367,7 @@
         <p:spPr>
           <a:xfrm>
             <a:off x="3124080" y="6356520"/>
-            <a:ext cx="2894400" cy="363960"/>
+            <a:ext cx="2894040" cy="363600"/>
           </a:xfrm>
           <a:prstGeom prst="rect">
             <a:avLst/>
@@ -1439,7 +1439,7 @@
         <p:spPr>
           <a:xfrm>
             <a:off x="6553080" y="6356520"/>
-            <a:ext cx="2132640" cy="363960"/>
+            <a:ext cx="2132280" cy="363600"/>
           </a:xfrm>
           <a:prstGeom prst="rect">
             <a:avLst/>
@@ -1482,7 +1482,7 @@
                 <a:tab algn="l" pos="0"/>
               </a:tabLst>
             </a:pPr>
-            <a:fld id="{C93EFB13-747F-49D3-97F4-3796EA90CF2B}" type="slidenum">
+            <a:fld id="{3AD30941-F0C0-478B-96D8-C481B30E5E83}" type="slidenum">
               <a:rPr b="0" lang="en-US" sz="1200" spc="-1" strike="noStrike">
                 <a:solidFill>
                   <a:schemeClr val="dk1">
@@ -1515,7 +1515,7 @@
         <p:spPr>
           <a:xfrm>
             <a:off x="457200" y="6356520"/>
-            <a:ext cx="2132640" cy="363960"/>
+            <a:ext cx="2132280" cy="363600"/>
           </a:xfrm>
           <a:prstGeom prst="rect">
             <a:avLst/>
@@ -1608,7 +1608,7 @@
         <p:spPr>
           <a:xfrm>
             <a:off x="3124080" y="6356520"/>
-            <a:ext cx="2894400" cy="363960"/>
+            <a:ext cx="2894040" cy="363600"/>
           </a:xfrm>
           <a:prstGeom prst="rect">
             <a:avLst/>
@@ -1680,7 +1680,7 @@
         <p:spPr>
           <a:xfrm>
             <a:off x="6553080" y="6356520"/>
-            <a:ext cx="2132640" cy="363960"/>
+            <a:ext cx="2132280" cy="363600"/>
           </a:xfrm>
           <a:prstGeom prst="rect">
             <a:avLst/>
@@ -1723,7 +1723,7 @@
                 <a:tab algn="l" pos="0"/>
               </a:tabLst>
             </a:pPr>
-            <a:fld id="{6EF24178-F394-43A0-BA18-0B64A31038FC}" type="slidenum">
+            <a:fld id="{E230200F-4312-4B3C-AC0E-82C13F53A9FA}" type="slidenum">
               <a:rPr b="0" lang="en-US" sz="1200" spc="-1" strike="noStrike">
                 <a:solidFill>
                   <a:schemeClr val="dk1">
@@ -1756,7 +1756,7 @@
         <p:spPr>
           <a:xfrm>
             <a:off x="457200" y="6356520"/>
-            <a:ext cx="2132640" cy="363960"/>
+            <a:ext cx="2132280" cy="363600"/>
           </a:xfrm>
           <a:prstGeom prst="rect">
             <a:avLst/>
@@ -1849,7 +1849,7 @@
         <p:spPr>
           <a:xfrm>
             <a:off x="3124080" y="6356520"/>
-            <a:ext cx="2894400" cy="363960"/>
+            <a:ext cx="2894040" cy="363600"/>
           </a:xfrm>
           <a:prstGeom prst="rect">
             <a:avLst/>
@@ -1921,7 +1921,7 @@
         <p:spPr>
           <a:xfrm>
             <a:off x="6553080" y="6356520"/>
-            <a:ext cx="2132640" cy="363960"/>
+            <a:ext cx="2132280" cy="363600"/>
           </a:xfrm>
           <a:prstGeom prst="rect">
             <a:avLst/>
@@ -1964,7 +1964,7 @@
                 <a:tab algn="l" pos="0"/>
               </a:tabLst>
             </a:pPr>
-            <a:fld id="{00A54D3F-A24A-49E6-A8F7-83642C067FA4}" type="slidenum">
+            <a:fld id="{054F14E8-284A-4439-A6B2-ACAE643D4D43}" type="slidenum">
               <a:rPr b="0" lang="en-US" sz="1200" spc="-1" strike="noStrike">
                 <a:solidFill>
                   <a:schemeClr val="dk1">
@@ -1997,7 +1997,7 @@
         <p:spPr>
           <a:xfrm>
             <a:off x="457200" y="6356520"/>
-            <a:ext cx="2132640" cy="363960"/>
+            <a:ext cx="2132280" cy="363600"/>
           </a:xfrm>
           <a:prstGeom prst="rect">
             <a:avLst/>
@@ -2090,7 +2090,7 @@
         <p:spPr>
           <a:xfrm>
             <a:off x="3124080" y="6356520"/>
-            <a:ext cx="2894400" cy="363960"/>
+            <a:ext cx="2894040" cy="363600"/>
           </a:xfrm>
           <a:prstGeom prst="rect">
             <a:avLst/>
@@ -2162,7 +2162,7 @@
         <p:spPr>
           <a:xfrm>
             <a:off x="6553080" y="6356520"/>
-            <a:ext cx="2132640" cy="363960"/>
+            <a:ext cx="2132280" cy="363600"/>
           </a:xfrm>
           <a:prstGeom prst="rect">
             <a:avLst/>
@@ -2205,7 +2205,7 @@
                 <a:tab algn="l" pos="0"/>
               </a:tabLst>
             </a:pPr>
-            <a:fld id="{936439AA-1AFA-430F-B9E6-B520FE0E7267}" type="slidenum">
+            <a:fld id="{8C5A792F-D4EF-4F47-9B4A-CCA4C4E50367}" type="slidenum">
               <a:rPr b="0" lang="en-US" sz="1200" spc="-1" strike="noStrike">
                 <a:solidFill>
                   <a:schemeClr val="dk1">
@@ -2238,7 +2238,7 @@
         <p:spPr>
           <a:xfrm>
             <a:off x="457200" y="6356520"/>
-            <a:ext cx="2132640" cy="363960"/>
+            <a:ext cx="2132280" cy="363600"/>
           </a:xfrm>
           <a:prstGeom prst="rect">
             <a:avLst/>
@@ -2331,7 +2331,7 @@
         <p:spPr>
           <a:xfrm>
             <a:off x="3124080" y="6356520"/>
-            <a:ext cx="2894400" cy="363960"/>
+            <a:ext cx="2894040" cy="363600"/>
           </a:xfrm>
           <a:prstGeom prst="rect">
             <a:avLst/>
@@ -2403,7 +2403,7 @@
         <p:spPr>
           <a:xfrm>
             <a:off x="6553080" y="6356520"/>
-            <a:ext cx="2132640" cy="363960"/>
+            <a:ext cx="2132280" cy="363600"/>
           </a:xfrm>
           <a:prstGeom prst="rect">
             <a:avLst/>
@@ -2446,7 +2446,7 @@
                 <a:tab algn="l" pos="0"/>
               </a:tabLst>
             </a:pPr>
-            <a:fld id="{59E29C2B-94FF-4613-A254-E279DD319CBC}" type="slidenum">
+            <a:fld id="{618BAB28-C3D0-44DB-A12E-ED46E18D3D40}" type="slidenum">
               <a:rPr b="0" lang="en-US" sz="1200" spc="-1" strike="noStrike">
                 <a:solidFill>
                   <a:schemeClr val="dk1">
@@ -2479,7 +2479,7 @@
         <p:spPr>
           <a:xfrm>
             <a:off x="457200" y="6356520"/>
-            <a:ext cx="2132640" cy="363960"/>
+            <a:ext cx="2132280" cy="363600"/>
           </a:xfrm>
           <a:prstGeom prst="rect">
             <a:avLst/>
@@ -2846,7 +2846,7 @@
         <p:spPr>
           <a:xfrm>
             <a:off x="3124080" y="6356520"/>
-            <a:ext cx="2894400" cy="363960"/>
+            <a:ext cx="2894040" cy="363600"/>
           </a:xfrm>
           <a:prstGeom prst="rect">
             <a:avLst/>
@@ -2918,7 +2918,7 @@
         <p:spPr>
           <a:xfrm>
             <a:off x="6553080" y="6356520"/>
-            <a:ext cx="2132640" cy="363960"/>
+            <a:ext cx="2132280" cy="363600"/>
           </a:xfrm>
           <a:prstGeom prst="rect">
             <a:avLst/>
@@ -2961,7 +2961,7 @@
                 <a:tab algn="l" pos="0"/>
               </a:tabLst>
             </a:pPr>
-            <a:fld id="{B3B668AE-96EC-4380-95A3-6B565EF92F99}" type="slidenum">
+            <a:fld id="{99DF4E53-535A-4AEF-A406-F7C97FBDAE54}" type="slidenum">
               <a:rPr b="0" lang="en-US" sz="1200" spc="-1" strike="noStrike">
                 <a:solidFill>
                   <a:schemeClr val="dk1">
@@ -2994,7 +2994,7 @@
         <p:spPr>
           <a:xfrm>
             <a:off x="457200" y="6356520"/>
-            <a:ext cx="2132640" cy="363960"/>
+            <a:ext cx="2132280" cy="363600"/>
           </a:xfrm>
           <a:prstGeom prst="rect">
             <a:avLst/>
@@ -3087,7 +3087,7 @@
         <p:spPr>
           <a:xfrm>
             <a:off x="3124080" y="6356520"/>
-            <a:ext cx="2894400" cy="363960"/>
+            <a:ext cx="2894040" cy="363600"/>
           </a:xfrm>
           <a:prstGeom prst="rect">
             <a:avLst/>
@@ -3159,7 +3159,7 @@
         <p:spPr>
           <a:xfrm>
             <a:off x="6553080" y="6356520"/>
-            <a:ext cx="2132640" cy="363960"/>
+            <a:ext cx="2132280" cy="363600"/>
           </a:xfrm>
           <a:prstGeom prst="rect">
             <a:avLst/>
@@ -3202,7 +3202,7 @@
                 <a:tab algn="l" pos="0"/>
               </a:tabLst>
             </a:pPr>
-            <a:fld id="{E88FF15E-A2B1-46BD-8855-DF90952BC7B8}" type="slidenum">
+            <a:fld id="{57444BEA-6618-4B3C-822D-FF2E6B94ACA8}" type="slidenum">
               <a:rPr b="0" lang="en-US" sz="1200" spc="-1" strike="noStrike">
                 <a:solidFill>
                   <a:schemeClr val="dk1">
@@ -3235,7 +3235,7 @@
         <p:spPr>
           <a:xfrm>
             <a:off x="457200" y="6356520"/>
-            <a:ext cx="2132640" cy="363960"/>
+            <a:ext cx="2132280" cy="363600"/>
           </a:xfrm>
           <a:prstGeom prst="rect">
             <a:avLst/>
@@ -3827,7 +3827,7 @@
         <p:spPr>
           <a:xfrm>
             <a:off x="3124080" y="6356520"/>
-            <a:ext cx="2894400" cy="363960"/>
+            <a:ext cx="2894040" cy="363600"/>
           </a:xfrm>
           <a:prstGeom prst="rect">
             <a:avLst/>
@@ -3899,7 +3899,7 @@
         <p:spPr>
           <a:xfrm>
             <a:off x="6553080" y="6356520"/>
-            <a:ext cx="2132640" cy="363960"/>
+            <a:ext cx="2132280" cy="363600"/>
           </a:xfrm>
           <a:prstGeom prst="rect">
             <a:avLst/>
@@ -3942,7 +3942,7 @@
                 <a:tab algn="l" pos="0"/>
               </a:tabLst>
             </a:pPr>
-            <a:fld id="{3C847929-D561-42F7-91A5-BEB02C0F2228}" type="slidenum">
+            <a:fld id="{34B7945D-0CA5-40AB-807E-0D262661191A}" type="slidenum">
               <a:rPr b="0" lang="en-US" sz="1200" spc="-1" strike="noStrike">
                 <a:solidFill>
                   <a:schemeClr val="dk1">
@@ -3975,7 +3975,7 @@
         <p:spPr>
           <a:xfrm>
             <a:off x="457200" y="6356520"/>
-            <a:ext cx="2132640" cy="363960"/>
+            <a:ext cx="2132280" cy="363600"/>
           </a:xfrm>
           <a:prstGeom prst="rect">
             <a:avLst/>
@@ -4068,7 +4068,7 @@
         <p:spPr>
           <a:xfrm>
             <a:off x="3124080" y="6356520"/>
-            <a:ext cx="2894400" cy="363960"/>
+            <a:ext cx="2894040" cy="363600"/>
           </a:xfrm>
           <a:prstGeom prst="rect">
             <a:avLst/>
@@ -4140,7 +4140,7 @@
         <p:spPr>
           <a:xfrm>
             <a:off x="6553080" y="6356520"/>
-            <a:ext cx="2132640" cy="363960"/>
+            <a:ext cx="2132280" cy="363600"/>
           </a:xfrm>
           <a:prstGeom prst="rect">
             <a:avLst/>
@@ -4183,7 +4183,7 @@
                 <a:tab algn="l" pos="0"/>
               </a:tabLst>
             </a:pPr>
-            <a:fld id="{BC46C870-9808-4247-821D-5AB968DFFD8A}" type="slidenum">
+            <a:fld id="{6B8B25F3-E2E0-41CC-9203-55075E4B55F8}" type="slidenum">
               <a:rPr b="0" lang="en-US" sz="1200" spc="-1" strike="noStrike">
                 <a:solidFill>
                   <a:schemeClr val="dk1">
@@ -4216,7 +4216,7 @@
         <p:spPr>
           <a:xfrm>
             <a:off x="457200" y="6356520"/>
-            <a:ext cx="2132640" cy="363960"/>
+            <a:ext cx="2132280" cy="363600"/>
           </a:xfrm>
           <a:prstGeom prst="rect">
             <a:avLst/>
@@ -4358,7 +4358,7 @@
         <p:spPr>
           <a:xfrm>
             <a:off x="3124080" y="6356520"/>
-            <a:ext cx="2894400" cy="363960"/>
+            <a:ext cx="2894040" cy="363600"/>
           </a:xfrm>
           <a:prstGeom prst="rect">
             <a:avLst/>
@@ -4430,7 +4430,7 @@
         <p:spPr>
           <a:xfrm>
             <a:off x="6553080" y="6356520"/>
-            <a:ext cx="2132640" cy="363960"/>
+            <a:ext cx="2132280" cy="363600"/>
           </a:xfrm>
           <a:prstGeom prst="rect">
             <a:avLst/>
@@ -4473,7 +4473,7 @@
                 <a:tab algn="l" pos="0"/>
               </a:tabLst>
             </a:pPr>
-            <a:fld id="{9AF17AE4-2349-494E-A143-33C9441F0DB0}" type="slidenum">
+            <a:fld id="{20CC6E23-3C7B-45FA-A393-1AF879F6C5C0}" type="slidenum">
               <a:rPr b="0" lang="en-US" sz="1200" spc="-1" strike="noStrike">
                 <a:solidFill>
                   <a:schemeClr val="dk1">
@@ -4506,7 +4506,7 @@
         <p:spPr>
           <a:xfrm>
             <a:off x="457200" y="6356520"/>
-            <a:ext cx="2132640" cy="363960"/>
+            <a:ext cx="2132280" cy="363600"/>
           </a:xfrm>
           <a:prstGeom prst="rect">
             <a:avLst/>
@@ -4599,7 +4599,7 @@
         <p:spPr>
           <a:xfrm>
             <a:off x="3124080" y="6356520"/>
-            <a:ext cx="2894400" cy="363960"/>
+            <a:ext cx="2894040" cy="363600"/>
           </a:xfrm>
           <a:prstGeom prst="rect">
             <a:avLst/>
@@ -4671,7 +4671,7 @@
         <p:spPr>
           <a:xfrm>
             <a:off x="6553080" y="6356520"/>
-            <a:ext cx="2132640" cy="363960"/>
+            <a:ext cx="2132280" cy="363600"/>
           </a:xfrm>
           <a:prstGeom prst="rect">
             <a:avLst/>
@@ -4714,7 +4714,7 @@
                 <a:tab algn="l" pos="0"/>
               </a:tabLst>
             </a:pPr>
-            <a:fld id="{3DD6BE3B-F895-4B1B-92ED-E7EA91E37A84}" type="slidenum">
+            <a:fld id="{7A5DD874-B216-4A13-9ED7-368D2D00A6AC}" type="slidenum">
               <a:rPr b="0" lang="en-US" sz="1200" spc="-1" strike="noStrike">
                 <a:solidFill>
                   <a:schemeClr val="dk1">
@@ -4747,7 +4747,7 @@
         <p:spPr>
           <a:xfrm>
             <a:off x="457200" y="6356520"/>
-            <a:ext cx="2132640" cy="363960"/>
+            <a:ext cx="2132280" cy="363600"/>
           </a:xfrm>
           <a:prstGeom prst="rect">
             <a:avLst/>
@@ -5118,9 +5118,9 @@
         <p:grpSpPr>
           <a:xfrm>
             <a:off x="11756880" y="-548280"/>
-            <a:ext cx="6530040" cy="11785320"/>
+            <a:ext cx="6529680" cy="11784960"/>
             <a:chOff x="11756880" y="-548280"/>
-            <a:chExt cx="6530040" cy="11785320"/>
+            <a:chExt cx="6529680" cy="11784960"/>
           </a:xfrm>
         </p:grpSpPr>
         <p:sp>
@@ -5132,15 +5132,15 @@
           <p:spPr>
             <a:xfrm>
               <a:off x="11756880" y="-403560"/>
-              <a:ext cx="6530040" cy="11640600"/>
+              <a:ext cx="6529680" cy="11640240"/>
             </a:xfrm>
             <a:custGeom>
               <a:avLst/>
               <a:gdLst>
-                <a:gd name="textAreaLeft" fmla="*/ 0 w 6530040"/>
-                <a:gd name="textAreaRight" fmla="*/ 6531120 w 6530040"/>
-                <a:gd name="textAreaTop" fmla="*/ 0 h 11640600"/>
-                <a:gd name="textAreaBottom" fmla="*/ 11641680 h 11640600"/>
+                <a:gd name="textAreaLeft" fmla="*/ 0 w 6529680"/>
+                <a:gd name="textAreaRight" fmla="*/ 6531120 w 6529680"/>
+                <a:gd name="textAreaTop" fmla="*/ 0 h 11640240"/>
+                <a:gd name="textAreaBottom" fmla="*/ 11641680 h 11640240"/>
               </a:gdLst>
               <a:ahLst/>
               <a:rect l="textAreaLeft" t="textAreaTop" r="textAreaRight" b="textAreaBottom"/>
@@ -5213,7 +5213,7 @@
           <p:spPr>
             <a:xfrm>
               <a:off x="11756880" y="-548280"/>
-              <a:ext cx="6530040" cy="11785320"/>
+              <a:ext cx="6529680" cy="11784960"/>
             </a:xfrm>
             <a:prstGeom prst="rect">
               <a:avLst/>
@@ -5257,16 +5257,16 @@
         </p:nvSpPr>
         <p:spPr>
           <a:xfrm flipH="1" flipV="1" rot="829200">
-            <a:off x="1074240" y="-4819680"/>
-            <a:ext cx="19148760" cy="6988680"/>
+            <a:off x="1073520" y="-4819680"/>
+            <a:ext cx="19148400" cy="6988320"/>
           </a:xfrm>
           <a:custGeom>
             <a:avLst/>
             <a:gdLst>
-              <a:gd name="textAreaLeft" fmla="*/ -720 w 19148760"/>
-              <a:gd name="textAreaRight" fmla="*/ 19149120 w 19148760"/>
-              <a:gd name="textAreaTop" fmla="*/ 720 h 6988680"/>
-              <a:gd name="textAreaBottom" fmla="*/ 6990480 h 6988680"/>
+              <a:gd name="textAreaLeft" fmla="*/ -720 w 19148400"/>
+              <a:gd name="textAreaRight" fmla="*/ 19149120 w 19148400"/>
+              <a:gd name="textAreaTop" fmla="*/ 720 h 6988320"/>
+              <a:gd name="textAreaBottom" fmla="*/ 6990480 h 6988320"/>
             </a:gdLst>
             <a:ahLst/>
             <a:rect l="textAreaLeft" t="textAreaTop" r="textAreaRight" b="textAreaBottom"/>
@@ -5336,7 +5336,7 @@
         <p:spPr>
           <a:xfrm>
             <a:off x="690120" y="9093240"/>
-            <a:ext cx="5481360" cy="939240"/>
+            <a:ext cx="5481000" cy="939240"/>
           </a:xfrm>
           <a:prstGeom prst="rect">
             <a:avLst/>
@@ -5433,7 +5433,7 @@
         <p:spPr>
           <a:xfrm>
             <a:off x="764280" y="153720"/>
-            <a:ext cx="14828040" cy="3584160"/>
+            <a:ext cx="14827680" cy="3584160"/>
           </a:xfrm>
           <a:prstGeom prst="rect">
             <a:avLst/>
@@ -5523,7 +5523,7 @@
         <p:spPr>
           <a:xfrm>
             <a:off x="1279080" y="6270840"/>
-            <a:ext cx="4892400" cy="586440"/>
+            <a:ext cx="4892040" cy="586440"/>
           </a:xfrm>
           <a:prstGeom prst="rect">
             <a:avLst/>
@@ -5577,7 +5577,7 @@
         <p:spPr>
           <a:xfrm>
             <a:off x="472680" y="7056360"/>
-            <a:ext cx="9585000" cy="1173240"/>
+            <a:ext cx="9584640" cy="1173240"/>
           </a:xfrm>
           <a:prstGeom prst="rect">
             <a:avLst/>
@@ -5631,7 +5631,7 @@
         <p:spPr>
           <a:xfrm>
             <a:off x="1507680" y="3668040"/>
-            <a:ext cx="8321400" cy="1336680"/>
+            <a:ext cx="8321040" cy="1336680"/>
           </a:xfrm>
           <a:prstGeom prst="rect">
             <a:avLst/>
@@ -5753,15 +5753,15 @@
         <p:spPr>
           <a:xfrm>
             <a:off x="7266960" y="3753720"/>
-            <a:ext cx="4923360" cy="4482720"/>
+            <a:ext cx="4923000" cy="4482360"/>
           </a:xfrm>
           <a:custGeom>
             <a:avLst/>
             <a:gdLst>
-              <a:gd name="textAreaLeft" fmla="*/ 0 w 4923360"/>
-              <a:gd name="textAreaRight" fmla="*/ 4924440 w 4923360"/>
-              <a:gd name="textAreaTop" fmla="*/ 0 h 4482720"/>
-              <a:gd name="textAreaBottom" fmla="*/ 4483800 h 4482720"/>
+              <a:gd name="textAreaLeft" fmla="*/ 0 w 4923000"/>
+              <a:gd name="textAreaRight" fmla="*/ 4924440 w 4923000"/>
+              <a:gd name="textAreaTop" fmla="*/ 0 h 4482360"/>
+              <a:gd name="textAreaBottom" fmla="*/ 4483800 h 4482360"/>
             </a:gdLst>
             <a:ahLst/>
             <a:rect l="textAreaLeft" t="textAreaTop" r="textAreaRight" b="textAreaBottom"/>
@@ -5829,15 +5829,15 @@
         <p:spPr>
           <a:xfrm>
             <a:off x="12620520" y="3598920"/>
-            <a:ext cx="5194800" cy="4791960"/>
+            <a:ext cx="5194440" cy="4791600"/>
           </a:xfrm>
           <a:custGeom>
             <a:avLst/>
             <a:gdLst>
-              <a:gd name="textAreaLeft" fmla="*/ 0 w 5194800"/>
-              <a:gd name="textAreaRight" fmla="*/ 5195880 w 5194800"/>
-              <a:gd name="textAreaTop" fmla="*/ 0 h 4791960"/>
-              <a:gd name="textAreaBottom" fmla="*/ 4793040 h 4791960"/>
+              <a:gd name="textAreaLeft" fmla="*/ 0 w 5194440"/>
+              <a:gd name="textAreaRight" fmla="*/ 5195880 w 5194440"/>
+              <a:gd name="textAreaTop" fmla="*/ 0 h 4791600"/>
+              <a:gd name="textAreaBottom" fmla="*/ 4793040 h 4791600"/>
             </a:gdLst>
             <a:ahLst/>
             <a:rect l="textAreaLeft" t="textAreaTop" r="textAreaRight" b="textAreaBottom"/>
@@ -5905,7 +5905,7 @@
         <p:spPr>
           <a:xfrm>
             <a:off x="0" y="885960"/>
-            <a:ext cx="15217560" cy="1350720"/>
+            <a:ext cx="15217200" cy="1350720"/>
           </a:xfrm>
           <a:prstGeom prst="rect">
             <a:avLst/>
@@ -5959,7 +5959,7 @@
         <p:spPr>
           <a:xfrm>
             <a:off x="520920" y="2785320"/>
-            <a:ext cx="6789960" cy="3916800"/>
+            <a:ext cx="6789600" cy="3916800"/>
           </a:xfrm>
           <a:prstGeom prst="rect">
             <a:avLst/>
@@ -6209,7 +6209,7 @@
         <p:spPr>
           <a:xfrm>
             <a:off x="8946720" y="2775960"/>
-            <a:ext cx="1796760" cy="424080"/>
+            <a:ext cx="1796400" cy="424080"/>
           </a:xfrm>
           <a:prstGeom prst="rect">
             <a:avLst/>
@@ -6263,7 +6263,7 @@
         <p:spPr>
           <a:xfrm>
             <a:off x="14415120" y="2596680"/>
-            <a:ext cx="1357560" cy="424080"/>
+            <a:ext cx="1357200" cy="424080"/>
           </a:xfrm>
           <a:prstGeom prst="rect">
             <a:avLst/>
@@ -6362,15 +6362,15 @@
         <p:spPr>
           <a:xfrm>
             <a:off x="1463040" y="5300640"/>
-            <a:ext cx="6644880" cy="2018520"/>
+            <a:ext cx="6644520" cy="2018160"/>
           </a:xfrm>
           <a:custGeom>
             <a:avLst/>
             <a:gdLst>
-              <a:gd name="textAreaLeft" fmla="*/ 0 w 6644880"/>
-              <a:gd name="textAreaRight" fmla="*/ 6645960 w 6644880"/>
-              <a:gd name="textAreaTop" fmla="*/ 0 h 2018520"/>
-              <a:gd name="textAreaBottom" fmla="*/ 2019600 h 2018520"/>
+              <a:gd name="textAreaLeft" fmla="*/ 0 w 6644520"/>
+              <a:gd name="textAreaRight" fmla="*/ 6645960 w 6644520"/>
+              <a:gd name="textAreaTop" fmla="*/ 0 h 2018160"/>
+              <a:gd name="textAreaBottom" fmla="*/ 2019600 h 2018160"/>
             </a:gdLst>
             <a:ahLst/>
             <a:rect l="textAreaLeft" t="textAreaTop" r="textAreaRight" b="textAreaBottom"/>
@@ -6438,15 +6438,15 @@
         <p:spPr>
           <a:xfrm>
             <a:off x="8507520" y="5300640"/>
-            <a:ext cx="7622640" cy="2059200"/>
+            <a:ext cx="7622280" cy="2058840"/>
           </a:xfrm>
           <a:custGeom>
             <a:avLst/>
             <a:gdLst>
-              <a:gd name="textAreaLeft" fmla="*/ 0 w 7622640"/>
-              <a:gd name="textAreaRight" fmla="*/ 7623720 w 7622640"/>
-              <a:gd name="textAreaTop" fmla="*/ 0 h 2059200"/>
-              <a:gd name="textAreaBottom" fmla="*/ 2060280 h 2059200"/>
+              <a:gd name="textAreaLeft" fmla="*/ 0 w 7622280"/>
+              <a:gd name="textAreaRight" fmla="*/ 7623720 w 7622280"/>
+              <a:gd name="textAreaTop" fmla="*/ 0 h 2058840"/>
+              <a:gd name="textAreaBottom" fmla="*/ 2060280 h 2058840"/>
             </a:gdLst>
             <a:ahLst/>
             <a:rect l="textAreaLeft" t="textAreaTop" r="textAreaRight" b="textAreaBottom"/>
@@ -6514,7 +6514,7 @@
         <p:spPr>
           <a:xfrm>
             <a:off x="0" y="885960"/>
-            <a:ext cx="16839360" cy="1350720"/>
+            <a:ext cx="16839000" cy="1350720"/>
           </a:xfrm>
           <a:prstGeom prst="rect">
             <a:avLst/>
@@ -6568,7 +6568,7 @@
         <p:spPr>
           <a:xfrm>
             <a:off x="1294200" y="2643120"/>
-            <a:ext cx="4344840" cy="2667240"/>
+            <a:ext cx="4344480" cy="2667240"/>
           </a:xfrm>
           <a:prstGeom prst="rect">
             <a:avLst/>
@@ -6751,15 +6751,15 @@
         <p:spPr>
           <a:xfrm>
             <a:off x="686520" y="5156280"/>
-            <a:ext cx="7801920" cy="3792960"/>
+            <a:ext cx="7801560" cy="3792600"/>
           </a:xfrm>
           <a:custGeom>
             <a:avLst/>
             <a:gdLst>
-              <a:gd name="textAreaLeft" fmla="*/ 0 w 7801920"/>
-              <a:gd name="textAreaRight" fmla="*/ 7803000 w 7801920"/>
-              <a:gd name="textAreaTop" fmla="*/ 0 h 3792960"/>
-              <a:gd name="textAreaBottom" fmla="*/ 3794040 h 3792960"/>
+              <a:gd name="textAreaLeft" fmla="*/ 0 w 7801560"/>
+              <a:gd name="textAreaRight" fmla="*/ 7803000 w 7801560"/>
+              <a:gd name="textAreaTop" fmla="*/ 0 h 3792600"/>
+              <a:gd name="textAreaBottom" fmla="*/ 3794040 h 3792600"/>
             </a:gdLst>
             <a:ahLst/>
             <a:rect l="textAreaLeft" t="textAreaTop" r="textAreaRight" b="textAreaBottom"/>
@@ -6827,15 +6827,15 @@
         <p:spPr>
           <a:xfrm>
             <a:off x="9032400" y="4848480"/>
-            <a:ext cx="8541000" cy="4408920"/>
+            <a:ext cx="8540640" cy="4408560"/>
           </a:xfrm>
           <a:custGeom>
             <a:avLst/>
             <a:gdLst>
-              <a:gd name="textAreaLeft" fmla="*/ 0 w 8541000"/>
-              <a:gd name="textAreaRight" fmla="*/ 8542080 w 8541000"/>
-              <a:gd name="textAreaTop" fmla="*/ 0 h 4408920"/>
-              <a:gd name="textAreaBottom" fmla="*/ 4410000 h 4408920"/>
+              <a:gd name="textAreaLeft" fmla="*/ 0 w 8540640"/>
+              <a:gd name="textAreaRight" fmla="*/ 8542080 w 8540640"/>
+              <a:gd name="textAreaTop" fmla="*/ 0 h 4408560"/>
+              <a:gd name="textAreaBottom" fmla="*/ 4410000 h 4408560"/>
             </a:gdLst>
             <a:ahLst/>
             <a:rect l="textAreaLeft" t="textAreaTop" r="textAreaRight" b="textAreaBottom"/>
@@ -6903,7 +6903,7 @@
         <p:spPr>
           <a:xfrm>
             <a:off x="1245960" y="2646000"/>
-            <a:ext cx="13473360" cy="1697400"/>
+            <a:ext cx="13473000" cy="1697400"/>
           </a:xfrm>
           <a:prstGeom prst="rect">
             <a:avLst/>
@@ -7018,7 +7018,7 @@
         <p:spPr>
           <a:xfrm>
             <a:off x="1245960" y="985320"/>
-            <a:ext cx="12957840" cy="1350720"/>
+            <a:ext cx="12957480" cy="1350720"/>
           </a:xfrm>
           <a:prstGeom prst="rect">
             <a:avLst/>
@@ -7072,7 +7072,7 @@
         <p:spPr>
           <a:xfrm>
             <a:off x="3769920" y="4262040"/>
-            <a:ext cx="1487160" cy="424080"/>
+            <a:ext cx="1486800" cy="424080"/>
           </a:xfrm>
           <a:prstGeom prst="rect">
             <a:avLst/>
@@ -7126,7 +7126,7 @@
         <p:spPr>
           <a:xfrm>
             <a:off x="12007440" y="4262040"/>
-            <a:ext cx="1250640" cy="424080"/>
+            <a:ext cx="1250280" cy="424080"/>
           </a:xfrm>
           <a:prstGeom prst="rect">
             <a:avLst/>
@@ -7225,7 +7225,7 @@
         <p:spPr>
           <a:xfrm>
             <a:off x="0" y="885960"/>
-            <a:ext cx="14918400" cy="1350720"/>
+            <a:ext cx="14918040" cy="1350720"/>
           </a:xfrm>
           <a:prstGeom prst="rect">
             <a:avLst/>
@@ -7279,7 +7279,7 @@
         <p:spPr>
           <a:xfrm>
             <a:off x="343440" y="2378880"/>
-            <a:ext cx="16808760" cy="2133720"/>
+            <a:ext cx="16808400" cy="2133720"/>
           </a:xfrm>
           <a:prstGeom prst="rect">
             <a:avLst/>
@@ -7306,7 +7306,7 @@
               </a:lnSpc>
             </a:pPr>
             <a:r>
-              <a:rPr b="1" lang="en-US" sz="3000" spc="194" strike="noStrike">
+              <a:rPr b="1" lang="en-US" sz="3000" spc="191" strike="noStrike">
                 <a:solidFill>
                   <a:srgbClr val="ffffff"/>
                 </a:solidFill>
@@ -7334,7 +7334,7 @@
               <a:buChar char="•"/>
             </a:pPr>
             <a:r>
-              <a:rPr b="1" lang="en-US" sz="3000" spc="194" strike="noStrike">
+              <a:rPr b="1" lang="en-US" sz="3000" spc="191" strike="noStrike">
                 <a:solidFill>
                   <a:srgbClr val="ffffff"/>
                 </a:solidFill>
@@ -7374,7 +7374,7 @@
         <p:spPr>
           <a:xfrm>
             <a:off x="591480" y="5536800"/>
-            <a:ext cx="14500440" cy="2768760"/>
+            <a:ext cx="14500080" cy="2768760"/>
           </a:xfrm>
           <a:prstGeom prst="rect">
             <a:avLst/>
@@ -7401,7 +7401,7 @@
               </a:lnSpc>
             </a:pPr>
             <a:r>
-              <a:rPr b="1" lang="en-US" sz="2590" spc="165" strike="noStrike">
+              <a:rPr b="1" lang="en-US" sz="2590" spc="162" strike="noStrike">
                 <a:solidFill>
                   <a:srgbClr val="ffffff"/>
                 </a:solidFill>
@@ -7429,7 +7429,7 @@
               <a:buChar char="•"/>
             </a:pPr>
             <a:r>
-              <a:rPr b="1" lang="en-US" sz="2590" spc="165" strike="noStrike">
+              <a:rPr b="1" lang="en-US" sz="2590" spc="162" strike="noStrike">
                 <a:solidFill>
                   <a:srgbClr val="ffffff"/>
                 </a:solidFill>
@@ -7457,7 +7457,7 @@
               <a:buChar char="•"/>
             </a:pPr>
             <a:r>
-              <a:rPr b="1" lang="en-US" sz="2590" spc="165" strike="noStrike">
+              <a:rPr b="1" lang="en-US" sz="2590" spc="162" strike="noStrike">
                 <a:solidFill>
                   <a:srgbClr val="ffffff"/>
                 </a:solidFill>
@@ -7485,7 +7485,7 @@
               <a:buChar char="⚬"/>
             </a:pPr>
             <a:r>
-              <a:rPr b="1" lang="en-US" sz="2590" spc="165" strike="noStrike">
+              <a:rPr b="1" lang="en-US" sz="2590" spc="162" strike="noStrike">
                 <a:solidFill>
                   <a:srgbClr val="ffffff"/>
                 </a:solidFill>
@@ -7513,7 +7513,7 @@
               <a:buChar char="•"/>
             </a:pPr>
             <a:r>
-              <a:rPr b="1" lang="en-US" sz="2590" spc="165" strike="noStrike">
+              <a:rPr b="1" lang="en-US" sz="2590" spc="162" strike="noStrike">
                 <a:solidFill>
                   <a:srgbClr val="ffffff"/>
                 </a:solidFill>
@@ -7585,15 +7585,15 @@
         <p:spPr>
           <a:xfrm>
             <a:off x="11194560" y="3330360"/>
-            <a:ext cx="5492520" cy="5726520"/>
+            <a:ext cx="5492160" cy="5726160"/>
           </a:xfrm>
           <a:custGeom>
             <a:avLst/>
             <a:gdLst>
-              <a:gd name="textAreaLeft" fmla="*/ 0 w 5492520"/>
-              <a:gd name="textAreaRight" fmla="*/ 5493600 w 5492520"/>
-              <a:gd name="textAreaTop" fmla="*/ 0 h 5726520"/>
-              <a:gd name="textAreaBottom" fmla="*/ 5727600 h 5726520"/>
+              <a:gd name="textAreaLeft" fmla="*/ 0 w 5492160"/>
+              <a:gd name="textAreaRight" fmla="*/ 5493600 w 5492160"/>
+              <a:gd name="textAreaTop" fmla="*/ 0 h 5726160"/>
+              <a:gd name="textAreaBottom" fmla="*/ 5727600 h 5726160"/>
             </a:gdLst>
             <a:ahLst/>
             <a:rect l="textAreaLeft" t="textAreaTop" r="textAreaRight" b="textAreaBottom"/>
@@ -7661,7 +7661,7 @@
         <p:spPr>
           <a:xfrm>
             <a:off x="0" y="885960"/>
-            <a:ext cx="17372880" cy="1350720"/>
+            <a:ext cx="17372520" cy="1350720"/>
           </a:xfrm>
           <a:prstGeom prst="rect">
             <a:avLst/>
@@ -7715,7 +7715,7 @@
         <p:spPr>
           <a:xfrm>
             <a:off x="520920" y="2785320"/>
-            <a:ext cx="7936560" cy="3481560"/>
+            <a:ext cx="7936200" cy="3481560"/>
           </a:xfrm>
           <a:prstGeom prst="rect">
             <a:avLst/>
@@ -7965,7 +7965,7 @@
         <p:spPr>
           <a:xfrm>
             <a:off x="12801600" y="2547000"/>
-            <a:ext cx="1110960" cy="424080"/>
+            <a:ext cx="1110600" cy="424080"/>
           </a:xfrm>
           <a:prstGeom prst="rect">
             <a:avLst/>
@@ -8064,15 +8064,15 @@
         <p:spPr>
           <a:xfrm>
             <a:off x="1497960" y="5833800"/>
-            <a:ext cx="7881480" cy="2467440"/>
+            <a:ext cx="7881120" cy="2467080"/>
           </a:xfrm>
           <a:custGeom>
             <a:avLst/>
             <a:gdLst>
-              <a:gd name="textAreaLeft" fmla="*/ 0 w 7881480"/>
-              <a:gd name="textAreaRight" fmla="*/ 7882560 w 7881480"/>
-              <a:gd name="textAreaTop" fmla="*/ 0 h 2467440"/>
-              <a:gd name="textAreaBottom" fmla="*/ 2468520 h 2467440"/>
+              <a:gd name="textAreaLeft" fmla="*/ 0 w 7881120"/>
+              <a:gd name="textAreaRight" fmla="*/ 7882560 w 7881120"/>
+              <a:gd name="textAreaTop" fmla="*/ 0 h 2467080"/>
+              <a:gd name="textAreaBottom" fmla="*/ 2468520 h 2467080"/>
             </a:gdLst>
             <a:ahLst/>
             <a:rect l="textAreaLeft" t="textAreaTop" r="textAreaRight" b="textAreaBottom"/>
@@ -8140,15 +8140,15 @@
         <p:spPr>
           <a:xfrm>
             <a:off x="9998640" y="3122280"/>
-            <a:ext cx="7068960" cy="5952600"/>
+            <a:ext cx="7068600" cy="5952240"/>
           </a:xfrm>
           <a:custGeom>
             <a:avLst/>
             <a:gdLst>
-              <a:gd name="textAreaLeft" fmla="*/ 0 w 7068960"/>
-              <a:gd name="textAreaRight" fmla="*/ 7070040 w 7068960"/>
-              <a:gd name="textAreaTop" fmla="*/ 0 h 5952600"/>
-              <a:gd name="textAreaBottom" fmla="*/ 5953680 h 5952600"/>
+              <a:gd name="textAreaLeft" fmla="*/ 0 w 7068600"/>
+              <a:gd name="textAreaRight" fmla="*/ 7070040 w 7068600"/>
+              <a:gd name="textAreaTop" fmla="*/ 0 h 5952240"/>
+              <a:gd name="textAreaBottom" fmla="*/ 5953680 h 5952240"/>
             </a:gdLst>
             <a:ahLst/>
             <a:rect l="textAreaLeft" t="textAreaTop" r="textAreaRight" b="textAreaBottom"/>
@@ -8216,7 +8216,7 @@
         <p:spPr>
           <a:xfrm>
             <a:off x="0" y="885960"/>
-            <a:ext cx="17944200" cy="1350720"/>
+            <a:ext cx="17943840" cy="1350720"/>
           </a:xfrm>
           <a:prstGeom prst="rect">
             <a:avLst/>
@@ -8270,7 +8270,7 @@
         <p:spPr>
           <a:xfrm>
             <a:off x="1294200" y="2643120"/>
-            <a:ext cx="4344840" cy="3200760"/>
+            <a:ext cx="4344480" cy="3200760"/>
           </a:xfrm>
           <a:prstGeom prst="rect">
             <a:avLst/>
@@ -8481,7 +8481,7 @@
         <p:spPr>
           <a:xfrm>
             <a:off x="1395720" y="4061520"/>
-            <a:ext cx="14294520" cy="4668840"/>
+            <a:ext cx="14294160" cy="4244760"/>
           </a:xfrm>
           <a:prstGeom prst="rect">
             <a:avLst/>
@@ -8576,7 +8576,7 @@
                 <a:latin typeface="DM Sans Bold"/>
                 <a:ea typeface="DM Sans Bold"/>
               </a:rPr>
-              <a:t>TSA feature engineering (lag features, hour of day) significantly improved prediction accuracy.</a:t>
+              <a:t>TSA feature engineering (Sequences) significantly improved prediction accuracy.</a:t>
             </a:r>
             <a:endParaRPr b="0" lang="en-US" sz="2380" spc="-1" strike="noStrike">
               <a:solidFill>
@@ -8764,7 +8764,7 @@
         <p:spPr>
           <a:xfrm>
             <a:off x="1028880" y="885960"/>
-            <a:ext cx="15658200" cy="1350720"/>
+            <a:ext cx="15657840" cy="1350720"/>
           </a:xfrm>
           <a:prstGeom prst="rect">
             <a:avLst/>
@@ -8818,7 +8818,7 @@
         <p:spPr>
           <a:xfrm>
             <a:off x="1395720" y="2054880"/>
-            <a:ext cx="5690160" cy="1066320"/>
+            <a:ext cx="5689800" cy="1066320"/>
           </a:xfrm>
           <a:prstGeom prst="rect">
             <a:avLst/>
@@ -8917,7 +8917,7 @@
         <p:spPr>
           <a:xfrm>
             <a:off x="1019160" y="3807720"/>
-            <a:ext cx="15622200" cy="4668480"/>
+            <a:ext cx="15621840" cy="4668480"/>
           </a:xfrm>
           <a:prstGeom prst="rect">
             <a:avLst/>
@@ -9228,7 +9228,7 @@
         <p:spPr>
           <a:xfrm>
             <a:off x="1028880" y="885960"/>
-            <a:ext cx="15658200" cy="1350720"/>
+            <a:ext cx="15657840" cy="1350720"/>
           </a:xfrm>
           <a:prstGeom prst="rect">
             <a:avLst/>
@@ -9282,7 +9282,7 @@
         <p:spPr>
           <a:xfrm>
             <a:off x="891720" y="2054880"/>
-            <a:ext cx="6879960" cy="1066320"/>
+            <a:ext cx="6879600" cy="1066320"/>
           </a:xfrm>
           <a:prstGeom prst="rect">
             <a:avLst/>
@@ -9380,16 +9380,16 @@
         </p:nvSpPr>
         <p:spPr>
           <a:xfrm flipV="1" rot="20438400">
-            <a:off x="-5536440" y="-4330440"/>
-            <a:ext cx="19148760" cy="6989040"/>
+            <a:off x="-5536080" y="-4330440"/>
+            <a:ext cx="19148400" cy="6988680"/>
           </a:xfrm>
           <a:custGeom>
             <a:avLst/>
             <a:gdLst>
-              <a:gd name="textAreaLeft" fmla="*/ 0 w 19148760"/>
-              <a:gd name="textAreaRight" fmla="*/ 19149840 w 19148760"/>
-              <a:gd name="textAreaTop" fmla="*/ 0 h 6989040"/>
-              <a:gd name="textAreaBottom" fmla="*/ 6990120 h 6989040"/>
+              <a:gd name="textAreaLeft" fmla="*/ 0 w 19148400"/>
+              <a:gd name="textAreaRight" fmla="*/ 19149840 w 19148400"/>
+              <a:gd name="textAreaTop" fmla="*/ 0 h 6988680"/>
+              <a:gd name="textAreaBottom" fmla="*/ 6990120 h 6988680"/>
             </a:gdLst>
             <a:ahLst/>
             <a:rect l="textAreaLeft" t="textAreaTop" r="textAreaRight" b="textAreaBottom"/>
@@ -9459,7 +9459,7 @@
         <p:spPr>
           <a:xfrm>
             <a:off x="3039840" y="1792800"/>
-            <a:ext cx="10711440" cy="5205600"/>
+            <a:ext cx="10711080" cy="5205600"/>
           </a:xfrm>
           <a:prstGeom prst="rect">
             <a:avLst/>
@@ -9643,7 +9643,7 @@
         <p:spPr>
           <a:xfrm>
             <a:off x="591840" y="885960"/>
-            <a:ext cx="9694440" cy="1350720"/>
+            <a:ext cx="9694080" cy="1350720"/>
           </a:xfrm>
           <a:prstGeom prst="rect">
             <a:avLst/>
@@ -9697,7 +9697,7 @@
         <p:spPr>
           <a:xfrm>
             <a:off x="1028880" y="2389320"/>
-            <a:ext cx="11837160" cy="5509080"/>
+            <a:ext cx="11836800" cy="5509080"/>
           </a:xfrm>
           <a:prstGeom prst="rect">
             <a:avLst/>
@@ -9878,9 +9878,9 @@
         <p:grpSpPr>
           <a:xfrm>
             <a:off x="798120" y="7124040"/>
-            <a:ext cx="3085200" cy="2035800"/>
+            <a:ext cx="3084840" cy="2035440"/>
             <a:chOff x="798120" y="7124040"/>
-            <a:chExt cx="3085200" cy="2035800"/>
+            <a:chExt cx="3084840" cy="2035440"/>
           </a:xfrm>
         </p:grpSpPr>
         <p:sp>
@@ -9892,15 +9892,15 @@
           <p:spPr>
             <a:xfrm>
               <a:off x="798120" y="7124040"/>
-              <a:ext cx="3085200" cy="2035800"/>
+              <a:ext cx="3084840" cy="2035440"/>
             </a:xfrm>
             <a:custGeom>
               <a:avLst/>
               <a:gdLst>
-                <a:gd name="textAreaLeft" fmla="*/ 0 w 3085200"/>
-                <a:gd name="textAreaRight" fmla="*/ 3086280 w 3085200"/>
-                <a:gd name="textAreaTop" fmla="*/ 0 h 2035800"/>
-                <a:gd name="textAreaBottom" fmla="*/ 2036880 h 2035800"/>
+                <a:gd name="textAreaLeft" fmla="*/ 0 w 3084840"/>
+                <a:gd name="textAreaRight" fmla="*/ 3086280 w 3084840"/>
+                <a:gd name="textAreaTop" fmla="*/ 0 h 2035440"/>
+                <a:gd name="textAreaBottom" fmla="*/ 2036880 h 2035440"/>
               </a:gdLst>
               <a:ahLst/>
               <a:rect l="textAreaLeft" t="textAreaTop" r="textAreaRight" b="textAreaBottom"/>
@@ -10006,7 +10006,7 @@
           <p:spPr>
             <a:xfrm>
               <a:off x="798120" y="7401600"/>
-              <a:ext cx="3085200" cy="1757880"/>
+              <a:ext cx="3084840" cy="1757520"/>
             </a:xfrm>
             <a:prstGeom prst="rect">
               <a:avLst/>
@@ -10061,9 +10061,9 @@
         <p:grpSpPr>
           <a:xfrm>
             <a:off x="5225400" y="6933960"/>
-            <a:ext cx="3085200" cy="2035800"/>
+            <a:ext cx="3084840" cy="2035440"/>
             <a:chOff x="5225400" y="6933960"/>
-            <a:chExt cx="3085200" cy="2035800"/>
+            <a:chExt cx="3084840" cy="2035440"/>
           </a:xfrm>
         </p:grpSpPr>
         <p:sp>
@@ -10075,15 +10075,15 @@
           <p:spPr>
             <a:xfrm>
               <a:off x="5225400" y="6933960"/>
-              <a:ext cx="3085200" cy="2035800"/>
+              <a:ext cx="3084840" cy="2035440"/>
             </a:xfrm>
             <a:custGeom>
               <a:avLst/>
               <a:gdLst>
-                <a:gd name="textAreaLeft" fmla="*/ 0 w 3085200"/>
-                <a:gd name="textAreaRight" fmla="*/ 3086280 w 3085200"/>
-                <a:gd name="textAreaTop" fmla="*/ 0 h 2035800"/>
-                <a:gd name="textAreaBottom" fmla="*/ 2036880 h 2035800"/>
+                <a:gd name="textAreaLeft" fmla="*/ 0 w 3084840"/>
+                <a:gd name="textAreaRight" fmla="*/ 3086280 w 3084840"/>
+                <a:gd name="textAreaTop" fmla="*/ 0 h 2035440"/>
+                <a:gd name="textAreaBottom" fmla="*/ 2036880 h 2035440"/>
               </a:gdLst>
               <a:ahLst/>
               <a:rect l="textAreaLeft" t="textAreaTop" r="textAreaRight" b="textAreaBottom"/>
@@ -10189,7 +10189,7 @@
           <p:spPr>
             <a:xfrm>
               <a:off x="5225400" y="7211880"/>
-              <a:ext cx="3085200" cy="1757880"/>
+              <a:ext cx="3084840" cy="1757520"/>
             </a:xfrm>
             <a:prstGeom prst="rect">
               <a:avLst/>
@@ -10244,9 +10244,9 @@
         <p:grpSpPr>
           <a:xfrm>
             <a:off x="9654480" y="6933960"/>
-            <a:ext cx="3085200" cy="2035800"/>
+            <a:ext cx="3084840" cy="2035440"/>
             <a:chOff x="9654480" y="6933960"/>
-            <a:chExt cx="3085200" cy="2035800"/>
+            <a:chExt cx="3084840" cy="2035440"/>
           </a:xfrm>
         </p:grpSpPr>
         <p:sp>
@@ -10258,15 +10258,15 @@
           <p:spPr>
             <a:xfrm>
               <a:off x="9654480" y="6933960"/>
-              <a:ext cx="3085200" cy="2035800"/>
+              <a:ext cx="3084840" cy="2035440"/>
             </a:xfrm>
             <a:custGeom>
               <a:avLst/>
               <a:gdLst>
-                <a:gd name="textAreaLeft" fmla="*/ 0 w 3085200"/>
-                <a:gd name="textAreaRight" fmla="*/ 3086280 w 3085200"/>
-                <a:gd name="textAreaTop" fmla="*/ 0 h 2035800"/>
-                <a:gd name="textAreaBottom" fmla="*/ 2036880 h 2035800"/>
+                <a:gd name="textAreaLeft" fmla="*/ 0 w 3084840"/>
+                <a:gd name="textAreaRight" fmla="*/ 3086280 w 3084840"/>
+                <a:gd name="textAreaTop" fmla="*/ 0 h 2035440"/>
+                <a:gd name="textAreaBottom" fmla="*/ 2036880 h 2035440"/>
               </a:gdLst>
               <a:ahLst/>
               <a:rect l="textAreaLeft" t="textAreaTop" r="textAreaRight" b="textAreaBottom"/>
@@ -10372,7 +10372,7 @@
           <p:spPr>
             <a:xfrm>
               <a:off x="9654480" y="7211880"/>
-              <a:ext cx="3085200" cy="1757880"/>
+              <a:ext cx="3084840" cy="1757520"/>
             </a:xfrm>
             <a:prstGeom prst="rect">
               <a:avLst/>
@@ -10427,9 +10427,9 @@
         <p:grpSpPr>
           <a:xfrm>
             <a:off x="13951800" y="6933960"/>
-            <a:ext cx="3085200" cy="2035800"/>
+            <a:ext cx="3084840" cy="2035440"/>
             <a:chOff x="13951800" y="6933960"/>
-            <a:chExt cx="3085200" cy="2035800"/>
+            <a:chExt cx="3084840" cy="2035440"/>
           </a:xfrm>
         </p:grpSpPr>
         <p:sp>
@@ -10441,15 +10441,15 @@
           <p:spPr>
             <a:xfrm>
               <a:off x="13951800" y="6933960"/>
-              <a:ext cx="3085200" cy="2035800"/>
+              <a:ext cx="3084840" cy="2035440"/>
             </a:xfrm>
             <a:custGeom>
               <a:avLst/>
               <a:gdLst>
-                <a:gd name="textAreaLeft" fmla="*/ 0 w 3085200"/>
-                <a:gd name="textAreaRight" fmla="*/ 3086280 w 3085200"/>
-                <a:gd name="textAreaTop" fmla="*/ 0 h 2035800"/>
-                <a:gd name="textAreaBottom" fmla="*/ 2036880 h 2035800"/>
+                <a:gd name="textAreaLeft" fmla="*/ 0 w 3084840"/>
+                <a:gd name="textAreaRight" fmla="*/ 3086280 w 3084840"/>
+                <a:gd name="textAreaTop" fmla="*/ 0 h 2035440"/>
+                <a:gd name="textAreaBottom" fmla="*/ 2036880 h 2035440"/>
               </a:gdLst>
               <a:ahLst/>
               <a:rect l="textAreaLeft" t="textAreaTop" r="textAreaRight" b="textAreaBottom"/>
@@ -10555,7 +10555,7 @@
           <p:spPr>
             <a:xfrm>
               <a:off x="13951800" y="7211880"/>
-              <a:ext cx="3085200" cy="1757880"/>
+              <a:ext cx="3084840" cy="1757520"/>
             </a:xfrm>
             <a:prstGeom prst="rect">
               <a:avLst/>
@@ -10610,7 +10610,7 @@
         <p:spPr>
           <a:xfrm>
             <a:off x="0" y="885960"/>
-            <a:ext cx="12421800" cy="1350720"/>
+            <a:ext cx="12421440" cy="1350720"/>
           </a:xfrm>
           <a:prstGeom prst="rect">
             <a:avLst/>
@@ -10790,7 +10790,7 @@
         <p:spPr>
           <a:xfrm>
             <a:off x="1028880" y="2792520"/>
-            <a:ext cx="13540680" cy="3520440"/>
+            <a:ext cx="13540320" cy="3520440"/>
           </a:xfrm>
           <a:prstGeom prst="rect">
             <a:avLst/>
@@ -10963,7 +10963,7 @@
         <p:spPr>
           <a:xfrm>
             <a:off x="1028880" y="885960"/>
-            <a:ext cx="9486000" cy="1350720"/>
+            <a:ext cx="9485640" cy="1350720"/>
           </a:xfrm>
           <a:prstGeom prst="rect">
             <a:avLst/>
@@ -11017,7 +11017,7 @@
         <p:spPr>
           <a:xfrm>
             <a:off x="1028880" y="2286000"/>
-            <a:ext cx="10226520" cy="2408400"/>
+            <a:ext cx="10226160" cy="2408400"/>
           </a:xfrm>
           <a:prstGeom prst="rect">
             <a:avLst/>
@@ -11140,7 +11140,7 @@
         <p:spPr>
           <a:xfrm>
             <a:off x="1148040" y="3992400"/>
-            <a:ext cx="11046240" cy="4955040"/>
+            <a:ext cx="11045880" cy="4955040"/>
           </a:xfrm>
           <a:prstGeom prst="rect">
             <a:avLst/>
@@ -11174,7 +11174,7 @@
                 <a:latin typeface="DM Sans Bold"/>
                 <a:ea typeface="DM Sans Bold"/>
               </a:rPr>
-              <a:t>Features:</a:t>
+              <a:t>Features From Data:</a:t>
             </a:r>
             <a:endParaRPr b="0" lang="en-US" sz="4000" spc="-1" strike="noStrike">
               <a:solidFill>
@@ -11416,7 +11416,7 @@
         <p:spPr>
           <a:xfrm>
             <a:off x="1028880" y="7948800"/>
-            <a:ext cx="7419600" cy="2408400"/>
+            <a:ext cx="7419240" cy="2408400"/>
           </a:xfrm>
           <a:prstGeom prst="rect">
             <a:avLst/>
@@ -11577,90 +11577,14 @@
       </p:grpSpPr>
       <p:sp>
         <p:nvSpPr>
-          <p:cNvPr id="82" name="Freeform 2"/>
-          <p:cNvSpPr/>
-          <p:nvPr/>
-        </p:nvSpPr>
-        <p:spPr>
-          <a:xfrm>
-            <a:off x="1371600" y="5943600"/>
-            <a:ext cx="13192560" cy="4320000"/>
-          </a:xfrm>
-          <a:custGeom>
-            <a:avLst/>
-            <a:gdLst>
-              <a:gd name="textAreaLeft" fmla="*/ 0 w 13192560"/>
-              <a:gd name="textAreaRight" fmla="*/ 13193640 w 13192560"/>
-              <a:gd name="textAreaTop" fmla="*/ 0 h 4320000"/>
-              <a:gd name="textAreaBottom" fmla="*/ 4321080 h 4320000"/>
-            </a:gdLst>
-            <a:ahLst/>
-            <a:rect l="textAreaLeft" t="textAreaTop" r="textAreaRight" b="textAreaBottom"/>
-            <a:pathLst>
-              <a:path w="13193792" h="4320967">
-                <a:moveTo>
-                  <a:pt x="0" y="0"/>
-                </a:moveTo>
-                <a:lnTo>
-                  <a:pt x="13193792" y="0"/>
-                </a:lnTo>
-                <a:lnTo>
-                  <a:pt x="13193792" y="4320967"/>
-                </a:lnTo>
-                <a:lnTo>
-                  <a:pt x="0" y="4320967"/>
-                </a:lnTo>
-                <a:lnTo>
-                  <a:pt x="0" y="0"/>
-                </a:lnTo>
-                <a:close/>
-              </a:path>
-            </a:pathLst>
-          </a:custGeom>
-          <a:blipFill rotWithShape="0">
-            <a:blip r:embed="rId1"/>
-            <a:srcRect/>
-            <a:stretch/>
-          </a:blipFill>
-          <a:ln w="0">
-            <a:noFill/>
-          </a:ln>
-        </p:spPr>
-        <p:style>
-          <a:lnRef idx="0"/>
-          <a:fillRef idx="0"/>
-          <a:effectRef idx="0"/>
-          <a:fontRef idx="minor"/>
-        </p:style>
-        <p:txBody>
-          <a:bodyPr lIns="90000" rIns="90000" tIns="45000" bIns="45000" anchor="t">
-            <a:noAutofit/>
-          </a:bodyPr>
-          <a:p>
-            <a:pPr>
-              <a:lnSpc>
-                <a:spcPct val="100000"/>
-              </a:lnSpc>
-            </a:pPr>
-            <a:endParaRPr b="0" lang="en-US" sz="1800" spc="-1" strike="noStrike">
-              <a:solidFill>
-                <a:srgbClr val="000000"/>
-              </a:solidFill>
-              <a:latin typeface="Arial"/>
-            </a:endParaRPr>
-          </a:p>
-        </p:txBody>
-      </p:sp>
-      <p:sp>
-        <p:nvSpPr>
-          <p:cNvPr id="83" name="TextBox 3"/>
+          <p:cNvPr id="82" name="TextBox 3"/>
           <p:cNvSpPr/>
           <p:nvPr/>
         </p:nvSpPr>
         <p:spPr>
           <a:xfrm>
             <a:off x="0" y="885960"/>
-            <a:ext cx="11133360" cy="1350720"/>
+            <a:ext cx="11133000" cy="1350720"/>
           </a:xfrm>
           <a:prstGeom prst="rect">
             <a:avLst/>
@@ -11707,14 +11631,14 @@
       </p:sp>
       <p:sp>
         <p:nvSpPr>
-          <p:cNvPr id="84" name="TextBox 4"/>
+          <p:cNvPr id="83" name="TextBox 4"/>
           <p:cNvSpPr/>
           <p:nvPr/>
         </p:nvSpPr>
         <p:spPr>
           <a:xfrm>
             <a:off x="1028880" y="2583360"/>
-            <a:ext cx="14655960" cy="2667240"/>
+            <a:ext cx="14655600" cy="2667240"/>
           </a:xfrm>
           <a:prstGeom prst="rect">
             <a:avLst/>
@@ -11843,6 +11767,29 @@
           </a:p>
         </p:txBody>
       </p:sp>
+      <p:pic>
+        <p:nvPicPr>
+          <p:cNvPr id="84" name="" descr=""/>
+          <p:cNvPicPr/>
+          <p:nvPr/>
+        </p:nvPicPr>
+        <p:blipFill>
+          <a:blip r:embed="rId1"/>
+          <a:stretch/>
+        </p:blipFill>
+        <p:spPr>
+          <a:xfrm>
+            <a:off x="1143000" y="5801040"/>
+            <a:ext cx="15544800" cy="3342960"/>
+          </a:xfrm>
+          <a:prstGeom prst="rect">
+            <a:avLst/>
+          </a:prstGeom>
+          <a:ln w="0">
+            <a:noFill/>
+          </a:ln>
+        </p:spPr>
+      </p:pic>
     </p:spTree>
   </p:cSld>
   <mc:AlternateContent>
@@ -11897,7 +11844,7 @@
         <p:spPr>
           <a:xfrm>
             <a:off x="1028880" y="885960"/>
-            <a:ext cx="16115400" cy="1350720"/>
+            <a:ext cx="16115040" cy="1350720"/>
           </a:xfrm>
           <a:prstGeom prst="rect">
             <a:avLst/>
@@ -11951,7 +11898,7 @@
         <p:spPr>
           <a:xfrm>
             <a:off x="1028880" y="2112120"/>
-            <a:ext cx="9793080" cy="8035920"/>
+            <a:ext cx="9792720" cy="8035920"/>
           </a:xfrm>
           <a:prstGeom prst="rect">
             <a:avLst/>
@@ -12082,7 +12029,35 @@
                 <a:latin typeface="DM Sans Bold"/>
                 <a:ea typeface="DM Sans Bold"/>
               </a:rPr>
-              <a:t>Checked for null or missing entries in each column.</a:t>
+              <a:t>Checked for null or missing entries in each column (Gust wass all NONE).</a:t>
+            </a:r>
+            <a:endParaRPr b="0" lang="en-US" sz="2070" spc="-1" strike="noStrike">
+              <a:solidFill>
+                <a:srgbClr val="ffffff"/>
+              </a:solidFill>
+              <a:latin typeface="Arial"/>
+            </a:endParaRPr>
+          </a:p>
+          <a:p>
+            <a:pPr lvl="1" marL="447480" indent="-223920" defTabSz="914400">
+              <a:lnSpc>
+                <a:spcPts val="2903"/>
+              </a:lnSpc>
+              <a:buClr>
+                <a:srgbClr val="ffffff"/>
+              </a:buClr>
+              <a:buFont typeface="OpenSymbol"/>
+              <a:buAutoNum type="arabicPeriod"/>
+            </a:pPr>
+            <a:r>
+              <a:rPr b="1" lang="en-US" sz="2070" spc="-1" strike="noStrike">
+                <a:solidFill>
+                  <a:srgbClr val="ffffff"/>
+                </a:solidFill>
+                <a:latin typeface="DM Sans Bold"/>
+                <a:ea typeface="DM Sans Bold"/>
+              </a:rPr>
+              <a:t>Removing Duplicates</a:t>
             </a:r>
             <a:endParaRPr b="0" lang="en-US" sz="2070" spc="-1" strike="noStrike">
               <a:solidFill>
@@ -12110,7 +12085,7 @@
                 <a:latin typeface="DM Sans Bold"/>
                 <a:ea typeface="DM Sans Bold"/>
               </a:rPr>
-              <a:t>Filled missing temperature values using forward-fill method.</a:t>
+              <a:t>Ensured no duplicate datetime entries exist.</a:t>
             </a:r>
             <a:endParaRPr b="0" lang="en-US" sz="2070" spc="-1" strike="noStrike">
               <a:solidFill>
@@ -12138,7 +12113,7 @@
                 <a:latin typeface="DM Sans Bold"/>
                 <a:ea typeface="DM Sans Bold"/>
               </a:rPr>
-              <a:t>Removing Duplicates</a:t>
+              <a:t>Correct Data Types</a:t>
             </a:r>
             <a:endParaRPr b="0" lang="en-US" sz="2070" spc="-1" strike="noStrike">
               <a:solidFill>
@@ -12166,63 +12141,7 @@
                 <a:latin typeface="DM Sans Bold"/>
                 <a:ea typeface="DM Sans Bold"/>
               </a:rPr>
-              <a:t>Ensured no duplicate datetime entries exist.</a:t>
-            </a:r>
-            <a:endParaRPr b="0" lang="en-US" sz="2070" spc="-1" strike="noStrike">
-              <a:solidFill>
-                <a:srgbClr val="ffffff"/>
-              </a:solidFill>
-              <a:latin typeface="Arial"/>
-            </a:endParaRPr>
-          </a:p>
-          <a:p>
-            <a:pPr lvl="1" marL="447480" indent="-223920" defTabSz="914400">
-              <a:lnSpc>
-                <a:spcPts val="2903"/>
-              </a:lnSpc>
-              <a:buClr>
-                <a:srgbClr val="ffffff"/>
-              </a:buClr>
-              <a:buFont typeface="OpenSymbol"/>
-              <a:buAutoNum type="arabicPeriod"/>
-            </a:pPr>
-            <a:r>
-              <a:rPr b="1" lang="en-US" sz="2070" spc="-1" strike="noStrike">
-                <a:solidFill>
-                  <a:srgbClr val="ffffff"/>
-                </a:solidFill>
-                <a:latin typeface="DM Sans Bold"/>
-                <a:ea typeface="DM Sans Bold"/>
-              </a:rPr>
-              <a:t>Correct Data Types</a:t>
-            </a:r>
-            <a:endParaRPr b="0" lang="en-US" sz="2070" spc="-1" strike="noStrike">
-              <a:solidFill>
-                <a:srgbClr val="ffffff"/>
-              </a:solidFill>
-              <a:latin typeface="Arial"/>
-            </a:endParaRPr>
-          </a:p>
-          <a:p>
-            <a:pPr lvl="2" marL="894960" indent="-298440" defTabSz="914400">
-              <a:lnSpc>
-                <a:spcPts val="2903"/>
-              </a:lnSpc>
-              <a:buClr>
-                <a:srgbClr val="ffffff"/>
-              </a:buClr>
-              <a:buFont typeface="OpenSymbol"/>
-              <a:buAutoNum type="alphaLcPeriod"/>
-            </a:pPr>
-            <a:r>
-              <a:rPr b="1" lang="en-US" sz="2070" spc="-1" strike="noStrike">
-                <a:solidFill>
-                  <a:srgbClr val="ffffff"/>
-                </a:solidFill>
-                <a:latin typeface="DM Sans Bold"/>
-                <a:ea typeface="DM Sans Bold"/>
-              </a:rPr>
-              <a:t>Converted Datetime column to datetime type for easier manipulation.</a:t>
+              <a:t>Converted Datetime column to datetime type for easier manipulation and indexing.</a:t>
             </a:r>
             <a:endParaRPr b="0" lang="en-US" sz="2070" spc="-1" strike="noStrike">
               <a:solidFill>
@@ -12567,15 +12486,15 @@
         <p:spPr>
           <a:xfrm>
             <a:off x="189720" y="2756160"/>
-            <a:ext cx="6422040" cy="3451320"/>
+            <a:ext cx="6421680" cy="3450960"/>
           </a:xfrm>
           <a:custGeom>
             <a:avLst/>
             <a:gdLst>
-              <a:gd name="textAreaLeft" fmla="*/ 0 w 6422040"/>
-              <a:gd name="textAreaRight" fmla="*/ 6423120 w 6422040"/>
-              <a:gd name="textAreaTop" fmla="*/ 0 h 3451320"/>
-              <a:gd name="textAreaBottom" fmla="*/ 3452400 h 3451320"/>
+              <a:gd name="textAreaLeft" fmla="*/ 0 w 6421680"/>
+              <a:gd name="textAreaRight" fmla="*/ 6423120 w 6421680"/>
+              <a:gd name="textAreaTop" fmla="*/ 0 h 3450960"/>
+              <a:gd name="textAreaBottom" fmla="*/ 3452400 h 3450960"/>
             </a:gdLst>
             <a:ahLst/>
             <a:rect l="textAreaLeft" t="textAreaTop" r="textAreaRight" b="textAreaBottom"/>
@@ -12685,15 +12604,15 @@
         <p:spPr>
           <a:xfrm>
             <a:off x="10448640" y="2588040"/>
-            <a:ext cx="6494760" cy="3490200"/>
+            <a:ext cx="6494400" cy="3489840"/>
           </a:xfrm>
           <a:custGeom>
             <a:avLst/>
             <a:gdLst>
-              <a:gd name="textAreaLeft" fmla="*/ 0 w 6494760"/>
-              <a:gd name="textAreaRight" fmla="*/ 6495840 w 6494760"/>
-              <a:gd name="textAreaTop" fmla="*/ 0 h 3490200"/>
-              <a:gd name="textAreaBottom" fmla="*/ 3491280 h 3490200"/>
+              <a:gd name="textAreaLeft" fmla="*/ 0 w 6494400"/>
+              <a:gd name="textAreaRight" fmla="*/ 6495840 w 6494400"/>
+              <a:gd name="textAreaTop" fmla="*/ 0 h 3489840"/>
+              <a:gd name="textAreaBottom" fmla="*/ 3491280 h 3489840"/>
             </a:gdLst>
             <a:ahLst/>
             <a:rect l="textAreaLeft" t="textAreaTop" r="textAreaRight" b="textAreaBottom"/>
@@ -12761,15 +12680,15 @@
         <p:spPr>
           <a:xfrm>
             <a:off x="1341360" y="6429240"/>
-            <a:ext cx="4739760" cy="3435120"/>
+            <a:ext cx="4739400" cy="3434760"/>
           </a:xfrm>
           <a:custGeom>
             <a:avLst/>
             <a:gdLst>
-              <a:gd name="textAreaLeft" fmla="*/ 0 w 4739760"/>
-              <a:gd name="textAreaRight" fmla="*/ 4740840 w 4739760"/>
-              <a:gd name="textAreaTop" fmla="*/ 0 h 3435120"/>
-              <a:gd name="textAreaBottom" fmla="*/ 3436200 h 3435120"/>
+              <a:gd name="textAreaLeft" fmla="*/ 0 w 4739400"/>
+              <a:gd name="textAreaRight" fmla="*/ 4740840 w 4739400"/>
+              <a:gd name="textAreaTop" fmla="*/ 0 h 3434760"/>
+              <a:gd name="textAreaBottom" fmla="*/ 3436200 h 3434760"/>
             </a:gdLst>
             <a:ahLst/>
             <a:rect l="textAreaLeft" t="textAreaTop" r="textAreaRight" b="textAreaBottom"/>
@@ -12837,15 +12756,15 @@
         <p:spPr>
           <a:xfrm>
             <a:off x="9144000" y="6538680"/>
-            <a:ext cx="4437360" cy="3215880"/>
+            <a:ext cx="4437000" cy="3215520"/>
           </a:xfrm>
           <a:custGeom>
             <a:avLst/>
             <a:gdLst>
-              <a:gd name="textAreaLeft" fmla="*/ 0 w 4437360"/>
-              <a:gd name="textAreaRight" fmla="*/ 4438440 w 4437360"/>
-              <a:gd name="textAreaTop" fmla="*/ 0 h 3215880"/>
-              <a:gd name="textAreaBottom" fmla="*/ 3216960 h 3215880"/>
+              <a:gd name="textAreaLeft" fmla="*/ 0 w 4437000"/>
+              <a:gd name="textAreaRight" fmla="*/ 4438440 w 4437000"/>
+              <a:gd name="textAreaTop" fmla="*/ 0 h 3215520"/>
+              <a:gd name="textAreaBottom" fmla="*/ 3216960 h 3215520"/>
             </a:gdLst>
             <a:ahLst/>
             <a:rect l="textAreaLeft" t="textAreaTop" r="textAreaRight" b="textAreaBottom"/>
@@ -12913,7 +12832,7 @@
         <p:spPr>
           <a:xfrm>
             <a:off x="1028880" y="885960"/>
-            <a:ext cx="16115400" cy="1350720"/>
+            <a:ext cx="16115040" cy="1350720"/>
           </a:xfrm>
           <a:prstGeom prst="rect">
             <a:avLst/>
@@ -13054,7 +12973,7 @@
         <p:spPr>
           <a:xfrm>
             <a:off x="1028880" y="885960"/>
-            <a:ext cx="12457800" cy="1350720"/>
+            <a:ext cx="12457440" cy="1350720"/>
           </a:xfrm>
           <a:prstGeom prst="rect">
             <a:avLst/>
@@ -13108,7 +13027,7 @@
         <p:spPr>
           <a:xfrm>
             <a:off x="636120" y="3794760"/>
-            <a:ext cx="9829080" cy="5334840"/>
+            <a:ext cx="9828720" cy="5334840"/>
           </a:xfrm>
           <a:prstGeom prst="rect">
             <a:avLst/>
@@ -13381,7 +13300,7 @@
         <p:spPr>
           <a:xfrm>
             <a:off x="636120" y="2617560"/>
-            <a:ext cx="11117520" cy="914760"/>
+            <a:ext cx="11117160" cy="914760"/>
           </a:xfrm>
           <a:prstGeom prst="rect">
             <a:avLst/>
@@ -13408,7 +13327,7 @@
               </a:lnSpc>
             </a:pPr>
             <a:r>
-              <a:rPr b="1" i="1" lang="en-US" sz="2570" spc="165" strike="noStrike">
+              <a:rPr b="1" i="1" lang="en-US" sz="2570" spc="162" strike="noStrike">
                 <a:solidFill>
                   <a:srgbClr val="ffffff"/>
                 </a:solidFill>
@@ -13480,7 +13399,7 @@
         <p:spPr>
           <a:xfrm>
             <a:off x="0" y="885960"/>
-            <a:ext cx="14291280" cy="1350720"/>
+            <a:ext cx="14290920" cy="1350720"/>
           </a:xfrm>
           <a:prstGeom prst="rect">
             <a:avLst/>
@@ -13534,7 +13453,7 @@
         <p:spPr>
           <a:xfrm>
             <a:off x="343440" y="2378880"/>
-            <a:ext cx="16808760" cy="3200760"/>
+            <a:ext cx="16808400" cy="3200760"/>
           </a:xfrm>
           <a:prstGeom prst="rect">
             <a:avLst/>
@@ -13561,7 +13480,7 @@
               </a:lnSpc>
             </a:pPr>
             <a:r>
-              <a:rPr b="1" lang="en-US" sz="3000" spc="194" strike="noStrike">
+              <a:rPr b="1" lang="en-US" sz="3000" spc="191" strike="noStrike">
                 <a:solidFill>
                   <a:srgbClr val="ffffff"/>
                 </a:solidFill>
@@ -13589,7 +13508,7 @@
               <a:buChar char="•"/>
             </a:pPr>
             <a:r>
-              <a:rPr b="1" lang="en-US" sz="3000" spc="194" strike="noStrike">
+              <a:rPr b="1" lang="en-US" sz="3000" spc="191" strike="noStrike">
                 <a:solidFill>
                   <a:srgbClr val="ffffff"/>
                 </a:solidFill>
@@ -13617,7 +13536,7 @@
               <a:buChar char="•"/>
             </a:pPr>
             <a:r>
-              <a:rPr b="1" lang="en-US" sz="3000" spc="194" strike="noStrike">
+              <a:rPr b="1" lang="en-US" sz="3000" spc="191" strike="noStrike">
                 <a:solidFill>
                   <a:srgbClr val="ffffff"/>
                 </a:solidFill>
@@ -13657,7 +13576,7 @@
         <p:spPr>
           <a:xfrm>
             <a:off x="591480" y="5536800"/>
-            <a:ext cx="15321600" cy="2768760"/>
+            <a:ext cx="15321240" cy="2768760"/>
           </a:xfrm>
           <a:prstGeom prst="rect">
             <a:avLst/>
@@ -13684,7 +13603,7 @@
               </a:lnSpc>
             </a:pPr>
             <a:r>
-              <a:rPr b="1" lang="en-US" sz="2590" spc="165" strike="noStrike">
+              <a:rPr b="1" lang="en-US" sz="2590" spc="162" strike="noStrike">
                 <a:solidFill>
                   <a:srgbClr val="ffffff"/>
                 </a:solidFill>
@@ -13712,7 +13631,7 @@
               <a:buChar char="•"/>
             </a:pPr>
             <a:r>
-              <a:rPr b="1" lang="en-US" sz="2590" spc="165" strike="noStrike">
+              <a:rPr b="1" lang="en-US" sz="2590" spc="162" strike="noStrike">
                 <a:solidFill>
                   <a:srgbClr val="ffffff"/>
                 </a:solidFill>
@@ -13740,7 +13659,7 @@
               <a:buChar char="•"/>
             </a:pPr>
             <a:r>
-              <a:rPr b="1" lang="en-US" sz="2590" spc="165" strike="noStrike">
+              <a:rPr b="1" lang="en-US" sz="2590" spc="162" strike="noStrike">
                 <a:solidFill>
                   <a:srgbClr val="ffffff"/>
                 </a:solidFill>
@@ -13768,7 +13687,7 @@
               <a:buChar char="⚬"/>
             </a:pPr>
             <a:r>
-              <a:rPr b="1" lang="en-US" sz="2590" spc="165" strike="noStrike">
+              <a:rPr b="1" lang="en-US" sz="2590" spc="162" strike="noStrike">
                 <a:solidFill>
                   <a:srgbClr val="ffffff"/>
                 </a:solidFill>
@@ -13796,7 +13715,7 @@
               <a:buChar char="•"/>
             </a:pPr>
             <a:r>
-              <a:rPr b="1" lang="en-US" sz="2590" spc="165" strike="noStrike">
+              <a:rPr b="1" lang="en-US" sz="2590" spc="162" strike="noStrike">
                 <a:solidFill>
                   <a:srgbClr val="ffffff"/>
                 </a:solidFill>
